--- a/Lectures/py_lec_2.pptx
+++ b/Lectures/py_lec_2.pptx
@@ -213,7 +213,7 @@
           <a:p>
             <a:fld id="{FF08647B-1F9F-41A4-B867-46FC175D451E}" type="datetimeFigureOut">
               <a:rPr lang="ru-RU" smtClean="0"/>
-              <a:t>20.12.2021</a:t>
+              <a:t>12.01.2022</a:t>
             </a:fld>
             <a:endParaRPr lang="ru-RU"/>
           </a:p>
@@ -8614,7 +8614,7 @@
           <a:p>
             <a:fld id="{1B56FB7D-53BC-4D97-AF05-73AE036E8782}" type="datetimeFigureOut">
               <a:rPr lang="ru-RU" smtClean="0"/>
-              <a:t>20.12.2021</a:t>
+              <a:t>12.01.2022</a:t>
             </a:fld>
             <a:endParaRPr lang="ru-RU"/>
           </a:p>
@@ -8944,7 +8944,7 @@
           <a:p>
             <a:fld id="{1B56FB7D-53BC-4D97-AF05-73AE036E8782}" type="datetimeFigureOut">
               <a:rPr lang="ru-RU" smtClean="0"/>
-              <a:t>20.12.2021</a:t>
+              <a:t>12.01.2022</a:t>
             </a:fld>
             <a:endParaRPr lang="ru-RU"/>
           </a:p>
@@ -9219,7 +9219,7 @@
           <a:p>
             <a:fld id="{1B56FB7D-53BC-4D97-AF05-73AE036E8782}" type="datetimeFigureOut">
               <a:rPr lang="ru-RU" smtClean="0"/>
-              <a:t>20.12.2021</a:t>
+              <a:t>12.01.2022</a:t>
             </a:fld>
             <a:endParaRPr lang="ru-RU"/>
           </a:p>
@@ -9484,7 +9484,7 @@
           <a:p>
             <a:fld id="{1B56FB7D-53BC-4D97-AF05-73AE036E8782}" type="datetimeFigureOut">
               <a:rPr lang="ru-RU" smtClean="0"/>
-              <a:t>20.12.2021</a:t>
+              <a:t>12.01.2022</a:t>
             </a:fld>
             <a:endParaRPr lang="ru-RU"/>
           </a:p>
@@ -9896,7 +9896,7 @@
           <a:p>
             <a:fld id="{1B56FB7D-53BC-4D97-AF05-73AE036E8782}" type="datetimeFigureOut">
               <a:rPr lang="ru-RU" smtClean="0"/>
-              <a:t>20.12.2021</a:t>
+              <a:t>12.01.2022</a:t>
             </a:fld>
             <a:endParaRPr lang="ru-RU"/>
           </a:p>
@@ -10037,7 +10037,7 @@
           <a:p>
             <a:fld id="{1B56FB7D-53BC-4D97-AF05-73AE036E8782}" type="datetimeFigureOut">
               <a:rPr lang="ru-RU" smtClean="0"/>
-              <a:t>20.12.2021</a:t>
+              <a:t>12.01.2022</a:t>
             </a:fld>
             <a:endParaRPr lang="ru-RU"/>
           </a:p>
@@ -10150,7 +10150,7 @@
           <a:p>
             <a:fld id="{1B56FB7D-53BC-4D97-AF05-73AE036E8782}" type="datetimeFigureOut">
               <a:rPr lang="ru-RU" smtClean="0"/>
-              <a:t>20.12.2021</a:t>
+              <a:t>12.01.2022</a:t>
             </a:fld>
             <a:endParaRPr lang="ru-RU"/>
           </a:p>
@@ -10461,7 +10461,7 @@
           <a:p>
             <a:fld id="{1B56FB7D-53BC-4D97-AF05-73AE036E8782}" type="datetimeFigureOut">
               <a:rPr lang="ru-RU" smtClean="0"/>
-              <a:t>20.12.2021</a:t>
+              <a:t>12.01.2022</a:t>
             </a:fld>
             <a:endParaRPr lang="ru-RU"/>
           </a:p>
@@ -10749,7 +10749,7 @@
           <a:p>
             <a:fld id="{1B56FB7D-53BC-4D97-AF05-73AE036E8782}" type="datetimeFigureOut">
               <a:rPr lang="ru-RU" smtClean="0"/>
-              <a:t>20.12.2021</a:t>
+              <a:t>12.01.2022</a:t>
             </a:fld>
             <a:endParaRPr lang="ru-RU"/>
           </a:p>
@@ -10947,7 +10947,7 @@
           <a:p>
             <a:fld id="{1B56FB7D-53BC-4D97-AF05-73AE036E8782}" type="datetimeFigureOut">
               <a:rPr lang="ru-RU" smtClean="0"/>
-              <a:t>20.12.2021</a:t>
+              <a:t>12.01.2022</a:t>
             </a:fld>
             <a:endParaRPr lang="ru-RU"/>
           </a:p>
@@ -11155,7 +11155,7 @@
           <a:p>
             <a:fld id="{1B56FB7D-53BC-4D97-AF05-73AE036E8782}" type="datetimeFigureOut">
               <a:rPr lang="ru-RU" smtClean="0"/>
-              <a:t>20.12.2021</a:t>
+              <a:t>12.01.2022</a:t>
             </a:fld>
             <a:endParaRPr lang="ru-RU"/>
           </a:p>
@@ -12665,7 +12665,7 @@
           <a:p>
             <a:fld id="{1B56FB7D-53BC-4D97-AF05-73AE036E8782}" type="datetimeFigureOut">
               <a:rPr lang="ru-RU" smtClean="0"/>
-              <a:t>20.12.2021</a:t>
+              <a:t>12.01.2022</a:t>
             </a:fld>
             <a:endParaRPr lang="ru-RU"/>
           </a:p>
